--- a/Slides/Part2-Modeling/Pressman_SEPA_9e_Ch013_PPT.pptx
+++ b/Slides/Part2-Modeling/Pressman_SEPA_9e_Ch013_PPT.pptx
@@ -11938,23 +11938,6 @@
               </a:rPr>
               <a:t>contains application specific content and processing logic: </a:t>
             </a:r>
-            <a:r>
-              <a:rPr lang="en-US" altLang="en-US" noProof="0" dirty="0" err="1">
-                <a:solidFill>
-                  <a:schemeClr val="tx1"/>
-                </a:solidFill>
-                <a:latin typeface="Times New Roman" panose="02020603050405020304" pitchFamily="18" charset="0"/>
-                <a:cs typeface="Times New Roman" panose="02020603050405020304" pitchFamily="18" charset="0"/>
-              </a:rPr>
-              <a:t>i</a:t>
-            </a:r>
-            <a:endParaRPr lang="en-US" altLang="en-US" noProof="0" dirty="0">
-              <a:solidFill>
-                <a:schemeClr val="tx1"/>
-              </a:solidFill>
-              <a:latin typeface="Times New Roman" panose="02020603050405020304" pitchFamily="18" charset="0"/>
-              <a:cs typeface="Times New Roman" panose="02020603050405020304" pitchFamily="18" charset="0"/>
-            </a:endParaRPr>
           </a:p>
           <a:p>
             <a:pPr marL="291600" lvl="2" indent="-291600">
